--- a/deadline.pptx
+++ b/deadline.pptx
@@ -393,7 +393,7 @@
           <a:noFill/>
           <a:extLst>
             <a:ext uri="{909E8E84-426E-40dd-AFC4-6F175D3DCCD1}">
-              <a14:hiddenFill xmlns="" xmlns:a14="http://schemas.microsoft.com/office/drawing/2010/main">
+              <a14:hiddenFill xmlns:a14="http://schemas.microsoft.com/office/drawing/2010/main" xmlns="">
                 <a:solidFill>
                   <a:srgbClr val="FFFFFF"/>
                 </a:solidFill>
@@ -453,7 +453,7 @@
             </a:ln>
             <a:extLst>
               <a:ext uri="{91240B29-F687-4f45-9708-019B960494DF}">
-                <a14:hiddenLine xmlns="" xmlns:a14="http://schemas.microsoft.com/office/drawing/2010/main" w="9525">
+                <a14:hiddenLine xmlns:a14="http://schemas.microsoft.com/office/drawing/2010/main" xmlns="" w="9525">
                   <a:solidFill>
                     <a:srgbClr val="000000"/>
                   </a:solidFill>
@@ -543,7 +543,7 @@
             </a:ln>
             <a:extLst>
               <a:ext uri="{91240B29-F687-4f45-9708-019B960494DF}">
-                <a14:hiddenLine xmlns="" xmlns:a14="http://schemas.microsoft.com/office/drawing/2010/main" w="9525">
+                <a14:hiddenLine xmlns:a14="http://schemas.microsoft.com/office/drawing/2010/main" xmlns="" w="9525">
                   <a:solidFill>
                     <a:srgbClr val="000000"/>
                   </a:solidFill>
@@ -633,7 +633,7 @@
             </a:ln>
             <a:extLst>
               <a:ext uri="{91240B29-F687-4f45-9708-019B960494DF}">
-                <a14:hiddenLine xmlns="" xmlns:a14="http://schemas.microsoft.com/office/drawing/2010/main" w="9525">
+                <a14:hiddenLine xmlns:a14="http://schemas.microsoft.com/office/drawing/2010/main" xmlns="" w="9525">
                   <a:solidFill>
                     <a:srgbClr val="000000"/>
                   </a:solidFill>
@@ -667,7 +667,7 @@
             </a:ln>
             <a:extLst>
               <a:ext uri="{91240B29-F687-4f45-9708-019B960494DF}">
-                <a14:hiddenLine xmlns="" xmlns:a14="http://schemas.microsoft.com/office/drawing/2010/main" w="9525">
+                <a14:hiddenLine xmlns:a14="http://schemas.microsoft.com/office/drawing/2010/main" xmlns="" w="9525">
                   <a:solidFill>
                     <a:srgbClr val="000000"/>
                   </a:solidFill>
@@ -757,7 +757,7 @@
             </a:ln>
             <a:extLst>
               <a:ext uri="{91240B29-F687-4f45-9708-019B960494DF}">
-                <a14:hiddenLine xmlns="" xmlns:a14="http://schemas.microsoft.com/office/drawing/2010/main" w="9525">
+                <a14:hiddenLine xmlns:a14="http://schemas.microsoft.com/office/drawing/2010/main" xmlns="" w="9525">
                   <a:solidFill>
                     <a:srgbClr val="000000"/>
                   </a:solidFill>
@@ -819,7 +819,7 @@
             </a:ln>
             <a:extLst>
               <a:ext uri="{91240B29-F687-4f45-9708-019B960494DF}">
-                <a14:hiddenLine xmlns="" xmlns:a14="http://schemas.microsoft.com/office/drawing/2010/main" w="9525">
+                <a14:hiddenLine xmlns:a14="http://schemas.microsoft.com/office/drawing/2010/main" xmlns="" w="9525">
                   <a:solidFill>
                     <a:srgbClr val="000000"/>
                   </a:solidFill>
@@ -881,7 +881,7 @@
             </a:ln>
             <a:extLst>
               <a:ext uri="{91240B29-F687-4f45-9708-019B960494DF}">
-                <a14:hiddenLine xmlns="" xmlns:a14="http://schemas.microsoft.com/office/drawing/2010/main" w="9525">
+                <a14:hiddenLine xmlns:a14="http://schemas.microsoft.com/office/drawing/2010/main" xmlns="" w="9525">
                   <a:solidFill>
                     <a:srgbClr val="000000"/>
                   </a:solidFill>
@@ -971,7 +971,7 @@
             </a:ln>
             <a:extLst>
               <a:ext uri="{91240B29-F687-4f45-9708-019B960494DF}">
-                <a14:hiddenLine xmlns="" xmlns:a14="http://schemas.microsoft.com/office/drawing/2010/main" w="9525">
+                <a14:hiddenLine xmlns:a14="http://schemas.microsoft.com/office/drawing/2010/main" xmlns="" w="9525">
                   <a:solidFill>
                     <a:srgbClr val="000000"/>
                   </a:solidFill>
@@ -1033,7 +1033,7 @@
             </a:ln>
             <a:extLst>
               <a:ext uri="{91240B29-F687-4f45-9708-019B960494DF}">
-                <a14:hiddenLine xmlns="" xmlns:a14="http://schemas.microsoft.com/office/drawing/2010/main" w="9525">
+                <a14:hiddenLine xmlns:a14="http://schemas.microsoft.com/office/drawing/2010/main" xmlns="" w="9525">
                   <a:solidFill>
                     <a:srgbClr val="000000"/>
                   </a:solidFill>
@@ -1095,7 +1095,7 @@
             </a:ln>
             <a:extLst>
               <a:ext uri="{91240B29-F687-4f45-9708-019B960494DF}">
-                <a14:hiddenLine xmlns="" xmlns:a14="http://schemas.microsoft.com/office/drawing/2010/main" w="9525">
+                <a14:hiddenLine xmlns:a14="http://schemas.microsoft.com/office/drawing/2010/main" xmlns="" w="9525">
                   <a:solidFill>
                     <a:srgbClr val="000000"/>
                   </a:solidFill>
@@ -1185,7 +1185,7 @@
             </a:ln>
             <a:extLst>
               <a:ext uri="{91240B29-F687-4f45-9708-019B960494DF}">
-                <a14:hiddenLine xmlns="" xmlns:a14="http://schemas.microsoft.com/office/drawing/2010/main" w="9525">
+                <a14:hiddenLine xmlns:a14="http://schemas.microsoft.com/office/drawing/2010/main" xmlns="" w="9525">
                   <a:solidFill>
                     <a:srgbClr val="000000"/>
                   </a:solidFill>
@@ -1275,7 +1275,7 @@
             </a:ln>
             <a:extLst>
               <a:ext uri="{91240B29-F687-4f45-9708-019B960494DF}">
-                <a14:hiddenLine xmlns="" xmlns:a14="http://schemas.microsoft.com/office/drawing/2010/main" w="9525">
+                <a14:hiddenLine xmlns:a14="http://schemas.microsoft.com/office/drawing/2010/main" xmlns="" w="9525">
                   <a:solidFill>
                     <a:srgbClr val="000000"/>
                   </a:solidFill>
@@ -1337,7 +1337,7 @@
             </a:ln>
             <a:extLst>
               <a:ext uri="{91240B29-F687-4f45-9708-019B960494DF}">
-                <a14:hiddenLine xmlns="" xmlns:a14="http://schemas.microsoft.com/office/drawing/2010/main" w="9525">
+                <a14:hiddenLine xmlns:a14="http://schemas.microsoft.com/office/drawing/2010/main" xmlns="" w="9525">
                   <a:solidFill>
                     <a:srgbClr val="000000"/>
                   </a:solidFill>
@@ -1447,7 +1447,7 @@
             </a:ln>
             <a:extLst>
               <a:ext uri="{91240B29-F687-4f45-9708-019B960494DF}">
-                <a14:hiddenLine xmlns="" xmlns:a14="http://schemas.microsoft.com/office/drawing/2010/main" w="9525">
+                <a14:hiddenLine xmlns:a14="http://schemas.microsoft.com/office/drawing/2010/main" xmlns="" w="9525">
                   <a:solidFill>
                     <a:srgbClr val="000000"/>
                   </a:solidFill>
@@ -1509,7 +1509,7 @@
             </a:ln>
             <a:extLst>
               <a:ext uri="{91240B29-F687-4f45-9708-019B960494DF}">
-                <a14:hiddenLine xmlns="" xmlns:a14="http://schemas.microsoft.com/office/drawing/2010/main" w="9525">
+                <a14:hiddenLine xmlns:a14="http://schemas.microsoft.com/office/drawing/2010/main" xmlns="" w="9525">
                   <a:solidFill>
                     <a:srgbClr val="000000"/>
                   </a:solidFill>
@@ -1599,7 +1599,7 @@
             </a:ln>
             <a:extLst>
               <a:ext uri="{91240B29-F687-4f45-9708-019B960494DF}">
-                <a14:hiddenLine xmlns="" xmlns:a14="http://schemas.microsoft.com/office/drawing/2010/main" w="9525">
+                <a14:hiddenLine xmlns:a14="http://schemas.microsoft.com/office/drawing/2010/main" xmlns="" w="9525">
                   <a:solidFill>
                     <a:srgbClr val="000000"/>
                   </a:solidFill>
@@ -1689,7 +1689,7 @@
             </a:ln>
             <a:extLst>
               <a:ext uri="{91240B29-F687-4f45-9708-019B960494DF}">
-                <a14:hiddenLine xmlns="" xmlns:a14="http://schemas.microsoft.com/office/drawing/2010/main" w="9525">
+                <a14:hiddenLine xmlns:a14="http://schemas.microsoft.com/office/drawing/2010/main" xmlns="" w="9525">
                   <a:solidFill>
                     <a:srgbClr val="000000"/>
                   </a:solidFill>
@@ -1751,7 +1751,7 @@
             </a:ln>
             <a:extLst>
               <a:ext uri="{91240B29-F687-4f45-9708-019B960494DF}">
-                <a14:hiddenLine xmlns="" xmlns:a14="http://schemas.microsoft.com/office/drawing/2010/main" w="9525">
+                <a14:hiddenLine xmlns:a14="http://schemas.microsoft.com/office/drawing/2010/main" xmlns="" w="9525">
                   <a:solidFill>
                     <a:srgbClr val="000000"/>
                   </a:solidFill>
@@ -1841,7 +1841,7 @@
             </a:ln>
             <a:extLst>
               <a:ext uri="{91240B29-F687-4f45-9708-019B960494DF}">
-                <a14:hiddenLine xmlns="" xmlns:a14="http://schemas.microsoft.com/office/drawing/2010/main" w="9525">
+                <a14:hiddenLine xmlns:a14="http://schemas.microsoft.com/office/drawing/2010/main" xmlns="" w="9525">
                   <a:solidFill>
                     <a:srgbClr val="000000"/>
                   </a:solidFill>
@@ -1931,7 +1931,7 @@
             </a:ln>
             <a:extLst>
               <a:ext uri="{91240B29-F687-4f45-9708-019B960494DF}">
-                <a14:hiddenLine xmlns="" xmlns:a14="http://schemas.microsoft.com/office/drawing/2010/main" w="9525">
+                <a14:hiddenLine xmlns:a14="http://schemas.microsoft.com/office/drawing/2010/main" xmlns="" w="9525">
                   <a:solidFill>
                     <a:srgbClr val="000000"/>
                   </a:solidFill>
@@ -1987,7 +1987,7 @@
             </a:ln>
             <a:extLst>
               <a:ext uri="{91240B29-F687-4f45-9708-019B960494DF}">
-                <a14:hiddenLine xmlns="" xmlns:a14="http://schemas.microsoft.com/office/drawing/2010/main" w="9525">
+                <a14:hiddenLine xmlns:a14="http://schemas.microsoft.com/office/drawing/2010/main" xmlns="" w="9525">
                   <a:solidFill>
                     <a:srgbClr val="000000"/>
                   </a:solidFill>
@@ -2077,7 +2077,7 @@
             </a:ln>
             <a:extLst>
               <a:ext uri="{91240B29-F687-4f45-9708-019B960494DF}">
-                <a14:hiddenLine xmlns="" xmlns:a14="http://schemas.microsoft.com/office/drawing/2010/main" w="9525">
+                <a14:hiddenLine xmlns:a14="http://schemas.microsoft.com/office/drawing/2010/main" xmlns="" w="9525">
                   <a:solidFill>
                     <a:srgbClr val="000000"/>
                   </a:solidFill>
@@ -2133,7 +2133,7 @@
             </a:ln>
             <a:extLst>
               <a:ext uri="{91240B29-F687-4f45-9708-019B960494DF}">
-                <a14:hiddenLine xmlns="" xmlns:a14="http://schemas.microsoft.com/office/drawing/2010/main" w="9525">
+                <a14:hiddenLine xmlns:a14="http://schemas.microsoft.com/office/drawing/2010/main" xmlns="" w="9525">
                   <a:solidFill>
                     <a:srgbClr val="000000"/>
                   </a:solidFill>
@@ -2223,7 +2223,7 @@
             </a:ln>
             <a:extLst>
               <a:ext uri="{91240B29-F687-4f45-9708-019B960494DF}">
-                <a14:hiddenLine xmlns="" xmlns:a14="http://schemas.microsoft.com/office/drawing/2010/main" w="9525">
+                <a14:hiddenLine xmlns:a14="http://schemas.microsoft.com/office/drawing/2010/main" xmlns="" w="9525">
                   <a:solidFill>
                     <a:srgbClr val="000000"/>
                   </a:solidFill>
@@ -2291,7 +2291,7 @@
             </a:ln>
             <a:extLst>
               <a:ext uri="{91240B29-F687-4f45-9708-019B960494DF}">
-                <a14:hiddenLine xmlns="" xmlns:a14="http://schemas.microsoft.com/office/drawing/2010/main" w="9525">
+                <a14:hiddenLine xmlns:a14="http://schemas.microsoft.com/office/drawing/2010/main" xmlns="" w="9525">
                   <a:solidFill>
                     <a:srgbClr val="000000"/>
                   </a:solidFill>
@@ -2381,7 +2381,7 @@
             </a:ln>
             <a:extLst>
               <a:ext uri="{91240B29-F687-4f45-9708-019B960494DF}">
-                <a14:hiddenLine xmlns="" xmlns:a14="http://schemas.microsoft.com/office/drawing/2010/main" w="9525">
+                <a14:hiddenLine xmlns:a14="http://schemas.microsoft.com/office/drawing/2010/main" xmlns="" w="9525">
                   <a:solidFill>
                     <a:srgbClr val="000000"/>
                   </a:solidFill>
@@ -2449,7 +2449,7 @@
             </a:ln>
             <a:extLst>
               <a:ext uri="{91240B29-F687-4f45-9708-019B960494DF}">
-                <a14:hiddenLine xmlns="" xmlns:a14="http://schemas.microsoft.com/office/drawing/2010/main" w="9525">
+                <a14:hiddenLine xmlns:a14="http://schemas.microsoft.com/office/drawing/2010/main" xmlns="" w="9525">
                   <a:solidFill>
                     <a:srgbClr val="000000"/>
                   </a:solidFill>
@@ -2539,7 +2539,7 @@
             </a:ln>
             <a:extLst>
               <a:ext uri="{91240B29-F687-4f45-9708-019B960494DF}">
-                <a14:hiddenLine xmlns="" xmlns:a14="http://schemas.microsoft.com/office/drawing/2010/main" w="9525">
+                <a14:hiddenLine xmlns:a14="http://schemas.microsoft.com/office/drawing/2010/main" xmlns="" w="9525">
                   <a:solidFill>
                     <a:srgbClr val="000000"/>
                   </a:solidFill>
@@ -2573,7 +2573,7 @@
             </a:ln>
             <a:extLst>
               <a:ext uri="{91240B29-F687-4f45-9708-019B960494DF}">
-                <a14:hiddenLine xmlns="" xmlns:a14="http://schemas.microsoft.com/office/drawing/2010/main" w="9525">
+                <a14:hiddenLine xmlns:a14="http://schemas.microsoft.com/office/drawing/2010/main" xmlns="" w="9525">
                   <a:solidFill>
                     <a:srgbClr val="000000"/>
                   </a:solidFill>
@@ -2663,7 +2663,7 @@
             </a:ln>
             <a:extLst>
               <a:ext uri="{91240B29-F687-4f45-9708-019B960494DF}">
-                <a14:hiddenLine xmlns="" xmlns:a14="http://schemas.microsoft.com/office/drawing/2010/main" w="9525">
+                <a14:hiddenLine xmlns:a14="http://schemas.microsoft.com/office/drawing/2010/main" xmlns="" w="9525">
                   <a:solidFill>
                     <a:srgbClr val="000000"/>
                   </a:solidFill>
@@ -2725,7 +2725,7 @@
             </a:ln>
             <a:extLst>
               <a:ext uri="{91240B29-F687-4f45-9708-019B960494DF}">
-                <a14:hiddenLine xmlns="" xmlns:a14="http://schemas.microsoft.com/office/drawing/2010/main" w="9525">
+                <a14:hiddenLine xmlns:a14="http://schemas.microsoft.com/office/drawing/2010/main" xmlns="" w="9525">
                   <a:solidFill>
                     <a:srgbClr val="000000"/>
                   </a:solidFill>
@@ -2787,7 +2787,7 @@
             </a:ln>
             <a:extLst>
               <a:ext uri="{91240B29-F687-4f45-9708-019B960494DF}">
-                <a14:hiddenLine xmlns="" xmlns:a14="http://schemas.microsoft.com/office/drawing/2010/main" w="9525">
+                <a14:hiddenLine xmlns:a14="http://schemas.microsoft.com/office/drawing/2010/main" xmlns="" w="9525">
                   <a:solidFill>
                     <a:srgbClr val="000000"/>
                   </a:solidFill>
@@ -2877,7 +2877,7 @@
             </a:ln>
             <a:extLst>
               <a:ext uri="{91240B29-F687-4f45-9708-019B960494DF}">
-                <a14:hiddenLine xmlns="" xmlns:a14="http://schemas.microsoft.com/office/drawing/2010/main" w="9525">
+                <a14:hiddenLine xmlns:a14="http://schemas.microsoft.com/office/drawing/2010/main" xmlns="" w="9525">
                   <a:solidFill>
                     <a:srgbClr val="000000"/>
                   </a:solidFill>
@@ -2945,7 +2945,7 @@
             </a:ln>
             <a:extLst>
               <a:ext uri="{91240B29-F687-4f45-9708-019B960494DF}">
-                <a14:hiddenLine xmlns="" xmlns:a14="http://schemas.microsoft.com/office/drawing/2010/main" w="9525">
+                <a14:hiddenLine xmlns:a14="http://schemas.microsoft.com/office/drawing/2010/main" xmlns="" w="9525">
                   <a:solidFill>
                     <a:srgbClr val="000000"/>
                   </a:solidFill>
@@ -3007,7 +3007,7 @@
             </a:ln>
             <a:extLst>
               <a:ext uri="{91240B29-F687-4f45-9708-019B960494DF}">
-                <a14:hiddenLine xmlns="" xmlns:a14="http://schemas.microsoft.com/office/drawing/2010/main" w="9525">
+                <a14:hiddenLine xmlns:a14="http://schemas.microsoft.com/office/drawing/2010/main" xmlns="" w="9525">
                   <a:solidFill>
                     <a:srgbClr val="000000"/>
                   </a:solidFill>
@@ -3097,7 +3097,7 @@
             </a:ln>
             <a:extLst>
               <a:ext uri="{91240B29-F687-4f45-9708-019B960494DF}">
-                <a14:hiddenLine xmlns="" xmlns:a14="http://schemas.microsoft.com/office/drawing/2010/main" w="9525">
+                <a14:hiddenLine xmlns:a14="http://schemas.microsoft.com/office/drawing/2010/main" xmlns="" w="9525">
                   <a:solidFill>
                     <a:srgbClr val="000000"/>
                   </a:solidFill>
@@ -3159,7 +3159,7 @@
             </a:ln>
             <a:extLst>
               <a:ext uri="{91240B29-F687-4f45-9708-019B960494DF}">
-                <a14:hiddenLine xmlns="" xmlns:a14="http://schemas.microsoft.com/office/drawing/2010/main" w="9525">
+                <a14:hiddenLine xmlns:a14="http://schemas.microsoft.com/office/drawing/2010/main" xmlns="" w="9525">
                   <a:solidFill>
                     <a:srgbClr val="000000"/>
                   </a:solidFill>
@@ -3249,7 +3249,7 @@
             </a:ln>
             <a:extLst>
               <a:ext uri="{91240B29-F687-4f45-9708-019B960494DF}">
-                <a14:hiddenLine xmlns="" xmlns:a14="http://schemas.microsoft.com/office/drawing/2010/main" w="9525">
+                <a14:hiddenLine xmlns:a14="http://schemas.microsoft.com/office/drawing/2010/main" xmlns="" w="9525">
                   <a:solidFill>
                     <a:srgbClr val="000000"/>
                   </a:solidFill>
@@ -3311,7 +3311,7 @@
             </a:ln>
             <a:extLst>
               <a:ext uri="{91240B29-F687-4f45-9708-019B960494DF}">
-                <a14:hiddenLine xmlns="" xmlns:a14="http://schemas.microsoft.com/office/drawing/2010/main" w="9525">
+                <a14:hiddenLine xmlns:a14="http://schemas.microsoft.com/office/drawing/2010/main" xmlns="" w="9525">
                   <a:solidFill>
                     <a:srgbClr val="000000"/>
                   </a:solidFill>
@@ -3401,7 +3401,7 @@
             </a:ln>
             <a:extLst>
               <a:ext uri="{91240B29-F687-4f45-9708-019B960494DF}">
-                <a14:hiddenLine xmlns="" xmlns:a14="http://schemas.microsoft.com/office/drawing/2010/main" w="9525">
+                <a14:hiddenLine xmlns:a14="http://schemas.microsoft.com/office/drawing/2010/main" xmlns="" w="9525">
                   <a:solidFill>
                     <a:srgbClr val="000000"/>
                   </a:solidFill>
@@ -3435,7 +3435,7 @@
             </a:ln>
             <a:extLst>
               <a:ext uri="{91240B29-F687-4f45-9708-019B960494DF}">
-                <a14:hiddenLine xmlns="" xmlns:a14="http://schemas.microsoft.com/office/drawing/2010/main" w="9525">
+                <a14:hiddenLine xmlns:a14="http://schemas.microsoft.com/office/drawing/2010/main" xmlns="" w="9525">
                   <a:solidFill>
                     <a:srgbClr val="000000"/>
                   </a:solidFill>
@@ -3500,7 +3500,7 @@
             </a:ln>
             <a:extLst>
               <a:ext uri="{91240B29-F687-4f45-9708-019B960494DF}">
-                <a14:hiddenLine xmlns="" xmlns:a14="http://schemas.microsoft.com/office/drawing/2010/main" w="9525">
+                <a14:hiddenLine xmlns:a14="http://schemas.microsoft.com/office/drawing/2010/main" xmlns="" w="9525">
                   <a:solidFill>
                     <a:srgbClr val="000000"/>
                   </a:solidFill>
@@ -3590,7 +3590,7 @@
             </a:ln>
             <a:extLst>
               <a:ext uri="{91240B29-F687-4f45-9708-019B960494DF}">
-                <a14:hiddenLine xmlns="" xmlns:a14="http://schemas.microsoft.com/office/drawing/2010/main" w="9525">
+                <a14:hiddenLine xmlns:a14="http://schemas.microsoft.com/office/drawing/2010/main" xmlns="" w="9525">
                   <a:solidFill>
                     <a:srgbClr val="000000"/>
                   </a:solidFill>
@@ -3652,7 +3652,7 @@
             </a:ln>
             <a:extLst>
               <a:ext uri="{91240B29-F687-4f45-9708-019B960494DF}">
-                <a14:hiddenLine xmlns="" xmlns:a14="http://schemas.microsoft.com/office/drawing/2010/main" w="9525">
+                <a14:hiddenLine xmlns:a14="http://schemas.microsoft.com/office/drawing/2010/main" xmlns="" w="9525">
                   <a:solidFill>
                     <a:srgbClr val="000000"/>
                   </a:solidFill>
@@ -3742,7 +3742,7 @@
             </a:ln>
             <a:extLst>
               <a:ext uri="{91240B29-F687-4f45-9708-019B960494DF}">
-                <a14:hiddenLine xmlns="" xmlns:a14="http://schemas.microsoft.com/office/drawing/2010/main" w="9525">
+                <a14:hiddenLine xmlns:a14="http://schemas.microsoft.com/office/drawing/2010/main" xmlns="" w="9525">
                   <a:solidFill>
                     <a:srgbClr val="000000"/>
                   </a:solidFill>
@@ -3832,7 +3832,7 @@
             </a:ln>
             <a:extLst>
               <a:ext uri="{91240B29-F687-4f45-9708-019B960494DF}">
-                <a14:hiddenLine xmlns="" xmlns:a14="http://schemas.microsoft.com/office/drawing/2010/main" w="9525">
+                <a14:hiddenLine xmlns:a14="http://schemas.microsoft.com/office/drawing/2010/main" xmlns="" w="9525">
                   <a:solidFill>
                     <a:srgbClr val="000000"/>
                   </a:solidFill>
@@ -3897,7 +3897,7 @@
             </a:ln>
             <a:extLst>
               <a:ext uri="{91240B29-F687-4f45-9708-019B960494DF}">
-                <a14:hiddenLine xmlns="" xmlns:a14="http://schemas.microsoft.com/office/drawing/2010/main" w="9525">
+                <a14:hiddenLine xmlns:a14="http://schemas.microsoft.com/office/drawing/2010/main" xmlns="" w="9525">
                   <a:solidFill>
                     <a:srgbClr val="000000"/>
                   </a:solidFill>
@@ -3959,7 +3959,7 @@
             </a:ln>
             <a:extLst>
               <a:ext uri="{91240B29-F687-4f45-9708-019B960494DF}">
-                <a14:hiddenLine xmlns="" xmlns:a14="http://schemas.microsoft.com/office/drawing/2010/main" w="9525">
+                <a14:hiddenLine xmlns:a14="http://schemas.microsoft.com/office/drawing/2010/main" xmlns="" w="9525">
                   <a:solidFill>
                     <a:srgbClr val="000000"/>
                   </a:solidFill>
@@ -4049,7 +4049,7 @@
             </a:ln>
             <a:extLst>
               <a:ext uri="{91240B29-F687-4f45-9708-019B960494DF}">
-                <a14:hiddenLine xmlns="" xmlns:a14="http://schemas.microsoft.com/office/drawing/2010/main" w="9525">
+                <a14:hiddenLine xmlns:a14="http://schemas.microsoft.com/office/drawing/2010/main" xmlns="" w="9525">
                   <a:solidFill>
                     <a:srgbClr val="000000"/>
                   </a:solidFill>
@@ -4139,7 +4139,7 @@
             </a:ln>
             <a:extLst>
               <a:ext uri="{91240B29-F687-4f45-9708-019B960494DF}">
-                <a14:hiddenLine xmlns="" xmlns:a14="http://schemas.microsoft.com/office/drawing/2010/main" w="9525">
+                <a14:hiddenLine xmlns:a14="http://schemas.microsoft.com/office/drawing/2010/main" xmlns="" w="9525">
                   <a:solidFill>
                     <a:srgbClr val="000000"/>
                   </a:solidFill>
@@ -4201,7 +4201,7 @@
             </a:ln>
             <a:extLst>
               <a:ext uri="{91240B29-F687-4f45-9708-019B960494DF}">
-                <a14:hiddenLine xmlns="" xmlns:a14="http://schemas.microsoft.com/office/drawing/2010/main" w="9525">
+                <a14:hiddenLine xmlns:a14="http://schemas.microsoft.com/office/drawing/2010/main" xmlns="" w="9525">
                   <a:solidFill>
                     <a:srgbClr val="000000"/>
                   </a:solidFill>
@@ -4321,7 +4321,7 @@
             </a:ln>
             <a:extLst>
               <a:ext uri="{91240B29-F687-4f45-9708-019B960494DF}">
-                <a14:hiddenLine xmlns="" xmlns:a14="http://schemas.microsoft.com/office/drawing/2010/main" w="9525">
+                <a14:hiddenLine xmlns:a14="http://schemas.microsoft.com/office/drawing/2010/main" xmlns="" w="9525">
                   <a:solidFill>
                     <a:srgbClr val="000000"/>
                   </a:solidFill>
@@ -4389,7 +4389,7 @@
             </a:ln>
             <a:extLst>
               <a:ext uri="{91240B29-F687-4f45-9708-019B960494DF}">
-                <a14:hiddenLine xmlns="" xmlns:a14="http://schemas.microsoft.com/office/drawing/2010/main" w="9525">
+                <a14:hiddenLine xmlns:a14="http://schemas.microsoft.com/office/drawing/2010/main" xmlns="" w="9525">
                   <a:solidFill>
                     <a:srgbClr val="000000"/>
                   </a:solidFill>
@@ -4479,7 +4479,7 @@
             </a:ln>
             <a:extLst>
               <a:ext uri="{91240B29-F687-4f45-9708-019B960494DF}">
-                <a14:hiddenLine xmlns="" xmlns:a14="http://schemas.microsoft.com/office/drawing/2010/main" w="9525">
+                <a14:hiddenLine xmlns:a14="http://schemas.microsoft.com/office/drawing/2010/main" xmlns="" w="9525">
                   <a:solidFill>
                     <a:srgbClr val="000000"/>
                   </a:solidFill>
@@ -9286,7 +9286,7 @@
           <a:noFill/>
           <a:extLst>
             <a:ext uri="{909E8E84-426E-40dd-AFC4-6F175D3DCCD1}">
-              <a14:hiddenFill xmlns="" xmlns:a14="http://schemas.microsoft.com/office/drawing/2010/main">
+              <a14:hiddenFill xmlns:a14="http://schemas.microsoft.com/office/drawing/2010/main" xmlns="">
                 <a:solidFill>
                   <a:srgbClr val="FFFFFF"/>
                 </a:solidFill>
@@ -9360,7 +9360,7 @@
               </a:ln>
               <a:extLst>
                 <a:ext uri="{91240B29-F687-4f45-9708-019B960494DF}">
-                  <a14:hiddenLine xmlns="" xmlns:a14="http://schemas.microsoft.com/office/drawing/2010/main" w="9525">
+                  <a14:hiddenLine xmlns:a14="http://schemas.microsoft.com/office/drawing/2010/main" xmlns="" w="9525">
                     <a:solidFill>
                       <a:srgbClr val="000000"/>
                     </a:solidFill>
@@ -9450,7 +9450,7 @@
               </a:ln>
               <a:extLst>
                 <a:ext uri="{91240B29-F687-4f45-9708-019B960494DF}">
-                  <a14:hiddenLine xmlns="" xmlns:a14="http://schemas.microsoft.com/office/drawing/2010/main" w="9525">
+                  <a14:hiddenLine xmlns:a14="http://schemas.microsoft.com/office/drawing/2010/main" xmlns="" w="9525">
                     <a:solidFill>
                       <a:srgbClr val="000000"/>
                     </a:solidFill>
@@ -9540,7 +9540,7 @@
               </a:ln>
               <a:extLst>
                 <a:ext uri="{91240B29-F687-4f45-9708-019B960494DF}">
-                  <a14:hiddenLine xmlns="" xmlns:a14="http://schemas.microsoft.com/office/drawing/2010/main" w="9525">
+                  <a14:hiddenLine xmlns:a14="http://schemas.microsoft.com/office/drawing/2010/main" xmlns="" w="9525">
                     <a:solidFill>
                       <a:srgbClr val="000000"/>
                     </a:solidFill>
@@ -9602,7 +9602,7 @@
               </a:ln>
               <a:extLst>
                 <a:ext uri="{91240B29-F687-4f45-9708-019B960494DF}">
-                  <a14:hiddenLine xmlns="" xmlns:a14="http://schemas.microsoft.com/office/drawing/2010/main" w="9525">
+                  <a14:hiddenLine xmlns:a14="http://schemas.microsoft.com/office/drawing/2010/main" xmlns="" w="9525">
                     <a:solidFill>
                       <a:srgbClr val="000000"/>
                     </a:solidFill>
@@ -9692,7 +9692,7 @@
               </a:ln>
               <a:extLst>
                 <a:ext uri="{91240B29-F687-4f45-9708-019B960494DF}">
-                  <a14:hiddenLine xmlns="" xmlns:a14="http://schemas.microsoft.com/office/drawing/2010/main" w="9525">
+                  <a14:hiddenLine xmlns:a14="http://schemas.microsoft.com/office/drawing/2010/main" xmlns="" w="9525">
                     <a:solidFill>
                       <a:srgbClr val="000000"/>
                     </a:solidFill>
@@ -9754,7 +9754,7 @@
               </a:ln>
               <a:extLst>
                 <a:ext uri="{91240B29-F687-4f45-9708-019B960494DF}">
-                  <a14:hiddenLine xmlns="" xmlns:a14="http://schemas.microsoft.com/office/drawing/2010/main" w="9525">
+                  <a14:hiddenLine xmlns:a14="http://schemas.microsoft.com/office/drawing/2010/main" xmlns="" w="9525">
                     <a:solidFill>
                       <a:srgbClr val="000000"/>
                     </a:solidFill>
@@ -9816,7 +9816,7 @@
               </a:ln>
               <a:extLst>
                 <a:ext uri="{91240B29-F687-4f45-9708-019B960494DF}">
-                  <a14:hiddenLine xmlns="" xmlns:a14="http://schemas.microsoft.com/office/drawing/2010/main" w="9525">
+                  <a14:hiddenLine xmlns:a14="http://schemas.microsoft.com/office/drawing/2010/main" xmlns="" w="9525">
                     <a:solidFill>
                       <a:srgbClr val="000000"/>
                     </a:solidFill>
@@ -9906,7 +9906,7 @@
               </a:ln>
               <a:extLst>
                 <a:ext uri="{91240B29-F687-4f45-9708-019B960494DF}">
-                  <a14:hiddenLine xmlns="" xmlns:a14="http://schemas.microsoft.com/office/drawing/2010/main" w="9525">
+                  <a14:hiddenLine xmlns:a14="http://schemas.microsoft.com/office/drawing/2010/main" xmlns="" w="9525">
                     <a:solidFill>
                       <a:srgbClr val="000000"/>
                     </a:solidFill>
@@ -9996,7 +9996,7 @@
               </a:ln>
               <a:extLst>
                 <a:ext uri="{91240B29-F687-4f45-9708-019B960494DF}">
-                  <a14:hiddenLine xmlns="" xmlns:a14="http://schemas.microsoft.com/office/drawing/2010/main" w="9525">
+                  <a14:hiddenLine xmlns:a14="http://schemas.microsoft.com/office/drawing/2010/main" xmlns="" w="9525">
                     <a:solidFill>
                       <a:srgbClr val="000000"/>
                     </a:solidFill>
@@ -10058,7 +10058,7 @@
               </a:ln>
               <a:extLst>
                 <a:ext uri="{91240B29-F687-4f45-9708-019B960494DF}">
-                  <a14:hiddenLine xmlns="" xmlns:a14="http://schemas.microsoft.com/office/drawing/2010/main" w="9525">
+                  <a14:hiddenLine xmlns:a14="http://schemas.microsoft.com/office/drawing/2010/main" xmlns="" w="9525">
                     <a:solidFill>
                       <a:srgbClr val="000000"/>
                     </a:solidFill>
@@ -10168,7 +10168,7 @@
               </a:ln>
               <a:extLst>
                 <a:ext uri="{91240B29-F687-4f45-9708-019B960494DF}">
-                  <a14:hiddenLine xmlns="" xmlns:a14="http://schemas.microsoft.com/office/drawing/2010/main" w="9525">
+                  <a14:hiddenLine xmlns:a14="http://schemas.microsoft.com/office/drawing/2010/main" xmlns="" w="9525">
                     <a:solidFill>
                       <a:srgbClr val="000000"/>
                     </a:solidFill>
@@ -10252,7 +10252,7 @@
               </a:ln>
               <a:extLst>
                 <a:ext uri="{91240B29-F687-4f45-9708-019B960494DF}">
-                  <a14:hiddenLine xmlns="" xmlns:a14="http://schemas.microsoft.com/office/drawing/2010/main" w="9525">
+                  <a14:hiddenLine xmlns:a14="http://schemas.microsoft.com/office/drawing/2010/main" xmlns="" w="9525">
                     <a:solidFill>
                       <a:srgbClr val="000000"/>
                     </a:solidFill>
@@ -10314,7 +10314,7 @@
               </a:ln>
               <a:extLst>
                 <a:ext uri="{91240B29-F687-4f45-9708-019B960494DF}">
-                  <a14:hiddenLine xmlns="" xmlns:a14="http://schemas.microsoft.com/office/drawing/2010/main" w="9525">
+                  <a14:hiddenLine xmlns:a14="http://schemas.microsoft.com/office/drawing/2010/main" xmlns="" w="9525">
                     <a:solidFill>
                       <a:srgbClr val="000000"/>
                     </a:solidFill>
@@ -10376,7 +10376,7 @@
               </a:ln>
               <a:extLst>
                 <a:ext uri="{91240B29-F687-4f45-9708-019B960494DF}">
-                  <a14:hiddenLine xmlns="" xmlns:a14="http://schemas.microsoft.com/office/drawing/2010/main" w="9525">
+                  <a14:hiddenLine xmlns:a14="http://schemas.microsoft.com/office/drawing/2010/main" xmlns="" w="9525">
                     <a:solidFill>
                       <a:srgbClr val="000000"/>
                     </a:solidFill>
@@ -10466,7 +10466,7 @@
               </a:ln>
               <a:extLst>
                 <a:ext uri="{91240B29-F687-4f45-9708-019B960494DF}">
-                  <a14:hiddenLine xmlns="" xmlns:a14="http://schemas.microsoft.com/office/drawing/2010/main" w="9525">
+                  <a14:hiddenLine xmlns:a14="http://schemas.microsoft.com/office/drawing/2010/main" xmlns="" w="9525">
                     <a:solidFill>
                       <a:srgbClr val="000000"/>
                     </a:solidFill>
@@ -10500,7 +10500,7 @@
               </a:ln>
               <a:extLst>
                 <a:ext uri="{91240B29-F687-4f45-9708-019B960494DF}">
-                  <a14:hiddenLine xmlns="" xmlns:a14="http://schemas.microsoft.com/office/drawing/2010/main" w="9525">
+                  <a14:hiddenLine xmlns:a14="http://schemas.microsoft.com/office/drawing/2010/main" xmlns="" w="9525">
                     <a:solidFill>
                       <a:srgbClr val="000000"/>
                     </a:solidFill>
@@ -10565,7 +10565,7 @@
               </a:ln>
               <a:extLst>
                 <a:ext uri="{91240B29-F687-4f45-9708-019B960494DF}">
-                  <a14:hiddenLine xmlns="" xmlns:a14="http://schemas.microsoft.com/office/drawing/2010/main" w="9525">
+                  <a14:hiddenLine xmlns:a14="http://schemas.microsoft.com/office/drawing/2010/main" xmlns="" w="9525">
                     <a:solidFill>
                       <a:srgbClr val="000000"/>
                     </a:solidFill>
@@ -10655,7 +10655,7 @@
               </a:ln>
               <a:extLst>
                 <a:ext uri="{91240B29-F687-4f45-9708-019B960494DF}">
-                  <a14:hiddenLine xmlns="" xmlns:a14="http://schemas.microsoft.com/office/drawing/2010/main" w="9525">
+                  <a14:hiddenLine xmlns:a14="http://schemas.microsoft.com/office/drawing/2010/main" xmlns="" w="9525">
                     <a:solidFill>
                       <a:srgbClr val="000000"/>
                     </a:solidFill>
@@ -10717,7 +10717,7 @@
               </a:ln>
               <a:extLst>
                 <a:ext uri="{91240B29-F687-4f45-9708-019B960494DF}">
-                  <a14:hiddenLine xmlns="" xmlns:a14="http://schemas.microsoft.com/office/drawing/2010/main" w="9525">
+                  <a14:hiddenLine xmlns:a14="http://schemas.microsoft.com/office/drawing/2010/main" xmlns="" w="9525">
                     <a:solidFill>
                       <a:srgbClr val="000000"/>
                     </a:solidFill>
@@ -10807,7 +10807,7 @@
               </a:ln>
               <a:extLst>
                 <a:ext uri="{91240B29-F687-4f45-9708-019B960494DF}">
-                  <a14:hiddenLine xmlns="" xmlns:a14="http://schemas.microsoft.com/office/drawing/2010/main" w="9525">
+                  <a14:hiddenLine xmlns:a14="http://schemas.microsoft.com/office/drawing/2010/main" xmlns="" w="9525">
                     <a:solidFill>
                       <a:srgbClr val="000000"/>
                     </a:solidFill>
@@ -10872,7 +10872,7 @@
               </a:ln>
               <a:extLst>
                 <a:ext uri="{91240B29-F687-4f45-9708-019B960494DF}">
-                  <a14:hiddenLine xmlns="" xmlns:a14="http://schemas.microsoft.com/office/drawing/2010/main" w="9525">
+                  <a14:hiddenLine xmlns:a14="http://schemas.microsoft.com/office/drawing/2010/main" xmlns="" w="9525">
                     <a:solidFill>
                       <a:srgbClr val="000000"/>
                     </a:solidFill>
@@ -10934,7 +10934,7 @@
               </a:ln>
               <a:extLst>
                 <a:ext uri="{91240B29-F687-4f45-9708-019B960494DF}">
-                  <a14:hiddenLine xmlns="" xmlns:a14="http://schemas.microsoft.com/office/drawing/2010/main" w="9525">
+                  <a14:hiddenLine xmlns:a14="http://schemas.microsoft.com/office/drawing/2010/main" xmlns="" w="9525">
                     <a:solidFill>
                       <a:srgbClr val="000000"/>
                     </a:solidFill>
@@ -11024,7 +11024,7 @@
               </a:ln>
               <a:extLst>
                 <a:ext uri="{91240B29-F687-4f45-9708-019B960494DF}">
-                  <a14:hiddenLine xmlns="" xmlns:a14="http://schemas.microsoft.com/office/drawing/2010/main" w="9525">
+                  <a14:hiddenLine xmlns:a14="http://schemas.microsoft.com/office/drawing/2010/main" xmlns="" w="9525">
                     <a:solidFill>
                       <a:srgbClr val="000000"/>
                     </a:solidFill>
@@ -11114,7 +11114,7 @@
               </a:ln>
               <a:extLst>
                 <a:ext uri="{91240B29-F687-4f45-9708-019B960494DF}">
-                  <a14:hiddenLine xmlns="" xmlns:a14="http://schemas.microsoft.com/office/drawing/2010/main" w="9525">
+                  <a14:hiddenLine xmlns:a14="http://schemas.microsoft.com/office/drawing/2010/main" xmlns="" w="9525">
                     <a:solidFill>
                       <a:srgbClr val="000000"/>
                     </a:solidFill>
@@ -11179,7 +11179,7 @@
               </a:ln>
               <a:extLst>
                 <a:ext uri="{91240B29-F687-4f45-9708-019B960494DF}">
-                  <a14:hiddenLine xmlns="" xmlns:a14="http://schemas.microsoft.com/office/drawing/2010/main" w="9525">
+                  <a14:hiddenLine xmlns:a14="http://schemas.microsoft.com/office/drawing/2010/main" xmlns="" w="9525">
                     <a:solidFill>
                       <a:srgbClr val="000000"/>
                     </a:solidFill>
@@ -11299,7 +11299,7 @@
               </a:ln>
               <a:extLst>
                 <a:ext uri="{91240B29-F687-4f45-9708-019B960494DF}">
-                  <a14:hiddenLine xmlns="" xmlns:a14="http://schemas.microsoft.com/office/drawing/2010/main" w="9525">
+                  <a14:hiddenLine xmlns:a14="http://schemas.microsoft.com/office/drawing/2010/main" xmlns="" w="9525">
                     <a:solidFill>
                       <a:srgbClr val="000000"/>
                     </a:solidFill>
@@ -11397,7 +11397,7 @@
               </a:ln>
               <a:extLst>
                 <a:ext uri="{91240B29-F687-4f45-9708-019B960494DF}">
-                  <a14:hiddenLine xmlns="" xmlns:a14="http://schemas.microsoft.com/office/drawing/2010/main" w="9525">
+                  <a14:hiddenLine xmlns:a14="http://schemas.microsoft.com/office/drawing/2010/main" xmlns="" w="9525">
                     <a:solidFill>
                       <a:srgbClr val="000000"/>
                     </a:solidFill>
@@ -11512,7 +11512,7 @@
               </a:ln>
               <a:extLst>
                 <a:ext uri="{91240B29-F687-4f45-9708-019B960494DF}">
-                  <a14:hiddenLine xmlns="" xmlns:a14="http://schemas.microsoft.com/office/drawing/2010/main" w="9525">
+                  <a14:hiddenLine xmlns:a14="http://schemas.microsoft.com/office/drawing/2010/main" xmlns="" w="9525">
                     <a:solidFill>
                       <a:srgbClr val="000000"/>
                     </a:solidFill>
@@ -11602,7 +11602,7 @@
               </a:ln>
               <a:extLst>
                 <a:ext uri="{91240B29-F687-4f45-9708-019B960494DF}">
-                  <a14:hiddenLine xmlns="" xmlns:a14="http://schemas.microsoft.com/office/drawing/2010/main" w="9525">
+                  <a14:hiddenLine xmlns:a14="http://schemas.microsoft.com/office/drawing/2010/main" xmlns="" w="9525">
                     <a:solidFill>
                       <a:srgbClr val="000000"/>
                     </a:solidFill>
@@ -11667,7 +11667,7 @@
               </a:ln>
               <a:extLst>
                 <a:ext uri="{91240B29-F687-4f45-9708-019B960494DF}">
-                  <a14:hiddenLine xmlns="" xmlns:a14="http://schemas.microsoft.com/office/drawing/2010/main" w="9525">
+                  <a14:hiddenLine xmlns:a14="http://schemas.microsoft.com/office/drawing/2010/main" xmlns="" w="9525">
                     <a:solidFill>
                       <a:srgbClr val="000000"/>
                     </a:solidFill>
@@ -11757,7 +11757,7 @@
               </a:ln>
               <a:extLst>
                 <a:ext uri="{91240B29-F687-4f45-9708-019B960494DF}">
-                  <a14:hiddenLine xmlns="" xmlns:a14="http://schemas.microsoft.com/office/drawing/2010/main" w="9525">
+                  <a14:hiddenLine xmlns:a14="http://schemas.microsoft.com/office/drawing/2010/main" xmlns="" w="9525">
                     <a:solidFill>
                       <a:srgbClr val="000000"/>
                     </a:solidFill>
@@ -11825,7 +11825,7 @@
               </a:ln>
               <a:extLst>
                 <a:ext uri="{91240B29-F687-4f45-9708-019B960494DF}">
-                  <a14:hiddenLine xmlns="" xmlns:a14="http://schemas.microsoft.com/office/drawing/2010/main" w="9525">
+                  <a14:hiddenLine xmlns:a14="http://schemas.microsoft.com/office/drawing/2010/main" xmlns="" w="9525">
                     <a:solidFill>
                       <a:srgbClr val="000000"/>
                     </a:solidFill>
@@ -11915,7 +11915,7 @@
               </a:ln>
               <a:extLst>
                 <a:ext uri="{91240B29-F687-4f45-9708-019B960494DF}">
-                  <a14:hiddenLine xmlns="" xmlns:a14="http://schemas.microsoft.com/office/drawing/2010/main" w="9525">
+                  <a14:hiddenLine xmlns:a14="http://schemas.microsoft.com/office/drawing/2010/main" xmlns="" w="9525">
                     <a:solidFill>
                       <a:srgbClr val="000000"/>
                     </a:solidFill>
@@ -11983,7 +11983,7 @@
               </a:ln>
               <a:extLst>
                 <a:ext uri="{91240B29-F687-4f45-9708-019B960494DF}">
-                  <a14:hiddenLine xmlns="" xmlns:a14="http://schemas.microsoft.com/office/drawing/2010/main" w="9525">
+                  <a14:hiddenLine xmlns:a14="http://schemas.microsoft.com/office/drawing/2010/main" xmlns="" w="9525">
                     <a:solidFill>
                       <a:srgbClr val="000000"/>
                     </a:solidFill>
@@ -12073,7 +12073,7 @@
               </a:ln>
               <a:extLst>
                 <a:ext uri="{91240B29-F687-4f45-9708-019B960494DF}">
-                  <a14:hiddenLine xmlns="" xmlns:a14="http://schemas.microsoft.com/office/drawing/2010/main" w="9525">
+                  <a14:hiddenLine xmlns:a14="http://schemas.microsoft.com/office/drawing/2010/main" xmlns="" w="9525">
                     <a:solidFill>
                       <a:srgbClr val="000000"/>
                     </a:solidFill>
@@ -12107,7 +12107,7 @@
               </a:ln>
               <a:extLst>
                 <a:ext uri="{91240B29-F687-4f45-9708-019B960494DF}">
-                  <a14:hiddenLine xmlns="" xmlns:a14="http://schemas.microsoft.com/office/drawing/2010/main" w="9525">
+                  <a14:hiddenLine xmlns:a14="http://schemas.microsoft.com/office/drawing/2010/main" xmlns="" w="9525">
                     <a:solidFill>
                       <a:srgbClr val="000000"/>
                     </a:solidFill>
@@ -13256,8 +13256,8 @@
           </a:p>
         </p:txBody>
       </p:sp>
-      <mc:AlternateContent xmlns:mc="http://schemas.openxmlformats.org/markup-compatibility/2006">
-        <mc:Choice xmlns:p14="http://schemas.microsoft.com/office/powerpoint/2010/main" Requires="p14">
+      <mc:AlternateContent xmlns:mc="http://schemas.openxmlformats.org/markup-compatibility/2006" xmlns:p14="http://schemas.microsoft.com/office/powerpoint/2010/main">
+        <mc:Choice Requires="p14">
           <p:contentPart p14:bwMode="auto" r:id="rId3">
             <p14:nvContentPartPr>
               <p14:cNvPr id="22" name="Рукописный ввод 21">
@@ -13276,7 +13276,7 @@
             </p14:xfrm>
           </p:contentPart>
         </mc:Choice>
-        <mc:Fallback>
+        <mc:Fallback xmlns="">
           <p:pic>
             <p:nvPicPr>
               <p:cNvPr id="22" name="Рукописный ввод 21">
@@ -13307,8 +13307,8 @@
           </p:pic>
         </mc:Fallback>
       </mc:AlternateContent>
-      <mc:AlternateContent xmlns:mc="http://schemas.openxmlformats.org/markup-compatibility/2006">
-        <mc:Choice xmlns:p14="http://schemas.microsoft.com/office/powerpoint/2010/main" Requires="p14">
+      <mc:AlternateContent xmlns:mc="http://schemas.openxmlformats.org/markup-compatibility/2006" xmlns:p14="http://schemas.microsoft.com/office/powerpoint/2010/main">
+        <mc:Choice Requires="p14">
           <p:contentPart p14:bwMode="auto" r:id="rId5">
             <p14:nvContentPartPr>
               <p14:cNvPr id="23" name="Рукописный ввод 22">
@@ -13327,7 +13327,7 @@
             </p14:xfrm>
           </p:contentPart>
         </mc:Choice>
-        <mc:Fallback>
+        <mc:Fallback xmlns="">
           <p:pic>
             <p:nvPicPr>
               <p:cNvPr id="23" name="Рукописный ввод 22">
@@ -13358,8 +13358,8 @@
           </p:pic>
         </mc:Fallback>
       </mc:AlternateContent>
-      <mc:AlternateContent xmlns:mc="http://schemas.openxmlformats.org/markup-compatibility/2006">
-        <mc:Choice xmlns:p14="http://schemas.microsoft.com/office/powerpoint/2010/main" Requires="p14">
+      <mc:AlternateContent xmlns:mc="http://schemas.openxmlformats.org/markup-compatibility/2006" xmlns:p14="http://schemas.microsoft.com/office/powerpoint/2010/main">
+        <mc:Choice Requires="p14">
           <p:contentPart p14:bwMode="auto" r:id="rId7">
             <p14:nvContentPartPr>
               <p14:cNvPr id="24" name="Рукописный ввод 23">
@@ -13378,7 +13378,7 @@
             </p14:xfrm>
           </p:contentPart>
         </mc:Choice>
-        <mc:Fallback>
+        <mc:Fallback xmlns="">
           <p:pic>
             <p:nvPicPr>
               <p:cNvPr id="24" name="Рукописный ввод 23">
@@ -13409,8 +13409,8 @@
           </p:pic>
         </mc:Fallback>
       </mc:AlternateContent>
-      <mc:AlternateContent xmlns:mc="http://schemas.openxmlformats.org/markup-compatibility/2006">
-        <mc:Choice xmlns:p14="http://schemas.microsoft.com/office/powerpoint/2010/main" Requires="p14">
+      <mc:AlternateContent xmlns:mc="http://schemas.openxmlformats.org/markup-compatibility/2006" xmlns:p14="http://schemas.microsoft.com/office/powerpoint/2010/main">
+        <mc:Choice Requires="p14">
           <p:contentPart p14:bwMode="auto" r:id="rId9">
             <p14:nvContentPartPr>
               <p14:cNvPr id="25" name="Рукописный ввод 24">
@@ -13429,7 +13429,7 @@
             </p14:xfrm>
           </p:contentPart>
         </mc:Choice>
-        <mc:Fallback>
+        <mc:Fallback xmlns="">
           <p:pic>
             <p:nvPicPr>
               <p:cNvPr id="25" name="Рукописный ввод 24">
@@ -13460,8 +13460,8 @@
           </p:pic>
         </mc:Fallback>
       </mc:AlternateContent>
-      <mc:AlternateContent xmlns:mc="http://schemas.openxmlformats.org/markup-compatibility/2006">
-        <mc:Choice xmlns:p14="http://schemas.microsoft.com/office/powerpoint/2010/main" Requires="p14">
+      <mc:AlternateContent xmlns:mc="http://schemas.openxmlformats.org/markup-compatibility/2006" xmlns:p14="http://schemas.microsoft.com/office/powerpoint/2010/main">
+        <mc:Choice Requires="p14">
           <p:contentPart p14:bwMode="auto" r:id="rId11">
             <p14:nvContentPartPr>
               <p14:cNvPr id="26" name="Рукописный ввод 25">
@@ -13480,7 +13480,7 @@
             </p14:xfrm>
           </p:contentPart>
         </mc:Choice>
-        <mc:Fallback>
+        <mc:Fallback xmlns="">
           <p:pic>
             <p:nvPicPr>
               <p:cNvPr id="26" name="Рукописный ввод 25">
@@ -13511,8 +13511,8 @@
           </p:pic>
         </mc:Fallback>
       </mc:AlternateContent>
-      <mc:AlternateContent xmlns:mc="http://schemas.openxmlformats.org/markup-compatibility/2006">
-        <mc:Choice xmlns:p14="http://schemas.microsoft.com/office/powerpoint/2010/main" Requires="p14">
+      <mc:AlternateContent xmlns:mc="http://schemas.openxmlformats.org/markup-compatibility/2006" xmlns:p14="http://schemas.microsoft.com/office/powerpoint/2010/main">
+        <mc:Choice Requires="p14">
           <p:contentPart p14:bwMode="auto" r:id="rId13">
             <p14:nvContentPartPr>
               <p14:cNvPr id="27" name="Рукописный ввод 26">
@@ -13531,7 +13531,7 @@
             </p14:xfrm>
           </p:contentPart>
         </mc:Choice>
-        <mc:Fallback>
+        <mc:Fallback xmlns="">
           <p:pic>
             <p:nvPicPr>
               <p:cNvPr id="27" name="Рукописный ввод 26">
@@ -13562,8 +13562,8 @@
           </p:pic>
         </mc:Fallback>
       </mc:AlternateContent>
-      <mc:AlternateContent xmlns:mc="http://schemas.openxmlformats.org/markup-compatibility/2006">
-        <mc:Choice xmlns:p14="http://schemas.microsoft.com/office/powerpoint/2010/main" Requires="p14">
+      <mc:AlternateContent xmlns:mc="http://schemas.openxmlformats.org/markup-compatibility/2006" xmlns:p14="http://schemas.microsoft.com/office/powerpoint/2010/main">
+        <mc:Choice Requires="p14">
           <p:contentPart p14:bwMode="auto" r:id="rId15">
             <p14:nvContentPartPr>
               <p14:cNvPr id="28" name="Рукописный ввод 27">
@@ -13582,7 +13582,7 @@
             </p14:xfrm>
           </p:contentPart>
         </mc:Choice>
-        <mc:Fallback>
+        <mc:Fallback xmlns="">
           <p:pic>
             <p:nvPicPr>
               <p:cNvPr id="28" name="Рукописный ввод 27">
@@ -13613,8 +13613,8 @@
           </p:pic>
         </mc:Fallback>
       </mc:AlternateContent>
-      <mc:AlternateContent xmlns:mc="http://schemas.openxmlformats.org/markup-compatibility/2006">
-        <mc:Choice xmlns:p14="http://schemas.microsoft.com/office/powerpoint/2010/main" Requires="p14">
+      <mc:AlternateContent xmlns:mc="http://schemas.openxmlformats.org/markup-compatibility/2006" xmlns:p14="http://schemas.microsoft.com/office/powerpoint/2010/main">
+        <mc:Choice Requires="p14">
           <p:contentPart p14:bwMode="auto" r:id="rId17">
             <p14:nvContentPartPr>
               <p14:cNvPr id="29" name="Рукописный ввод 28">
@@ -13633,7 +13633,7 @@
             </p14:xfrm>
           </p:contentPart>
         </mc:Choice>
-        <mc:Fallback>
+        <mc:Fallback xmlns="">
           <p:pic>
             <p:nvPicPr>
               <p:cNvPr id="29" name="Рукописный ввод 28">
@@ -14413,8 +14413,25 @@
                   </a:schemeClr>
                 </a:solidFill>
               </a:rPr>
-              <a:t>PyQ5, date</a:t>
+              <a:t>PyQ5, date, </a:t>
             </a:r>
+            <a:r>
+              <a:rPr lang="en-GB" dirty="0" err="1">
+                <a:solidFill>
+                  <a:schemeClr val="accent5">
+                    <a:lumMod val="75000"/>
+                  </a:schemeClr>
+                </a:solidFill>
+              </a:rPr>
+              <a:t>os</a:t>
+            </a:r>
+            <a:endParaRPr lang="en-GB" dirty="0">
+              <a:solidFill>
+                <a:schemeClr val="accent5">
+                  <a:lumMod val="75000"/>
+                </a:schemeClr>
+              </a:solidFill>
+            </a:endParaRPr>
           </a:p>
           <a:p>
             <a:r>
@@ -14853,14 +14870,88 @@
                   </a:schemeClr>
                 </a:solidFill>
               </a:rPr>
-              <a:t>В приложении не реализована функция сохранения данных, т.е. при выходе из программы все дедлайны, события, расписания стераются.</a:t>
+              <a:t>В приложени</a:t>
             </a:r>
-          </a:p>
-          <a:p>
-            <a:pPr marL="0" indent="0">
-              <a:buFont typeface="Arial" panose="020B0604020202020204" pitchFamily="34" charset="0"/>
-              <a:buNone/>
-            </a:pPr>
+            <a:r>
+              <a:rPr lang="en-GB" dirty="0">
+                <a:solidFill>
+                  <a:schemeClr val="accent5">
+                    <a:lumMod val="75000"/>
+                  </a:schemeClr>
+                </a:solidFill>
+              </a:rPr>
+              <a:t> </a:t>
+            </a:r>
+            <a:r>
+              <a:rPr lang="ru" dirty="0">
+                <a:solidFill>
+                  <a:schemeClr val="accent5">
+                    <a:lumMod val="75000"/>
+                  </a:schemeClr>
+                </a:solidFill>
+              </a:rPr>
+              <a:t>реализована функция сохранения данных</a:t>
+            </a:r>
+            <a:r>
+              <a:rPr lang="en-GB" dirty="0">
+                <a:solidFill>
+                  <a:schemeClr val="accent5">
+                    <a:lumMod val="75000"/>
+                  </a:schemeClr>
+                </a:solidFill>
+              </a:rPr>
+              <a:t> </a:t>
+            </a:r>
+            <a:r>
+              <a:rPr lang="ru" dirty="0">
+                <a:solidFill>
+                  <a:schemeClr val="accent5">
+                    <a:lumMod val="75000"/>
+                  </a:schemeClr>
+                </a:solidFill>
+              </a:rPr>
+              <a:t>при выходе из программы</a:t>
+            </a:r>
+            <a:r>
+              <a:rPr lang="en-GB" dirty="0">
+                <a:solidFill>
+                  <a:schemeClr val="accent5">
+                    <a:lumMod val="75000"/>
+                  </a:schemeClr>
+                </a:solidFill>
+              </a:rPr>
+              <a:t>. </a:t>
+            </a:r>
+            <a:r>
+              <a:rPr lang="ru" dirty="0">
+                <a:solidFill>
+                  <a:schemeClr val="accent5">
+                    <a:lumMod val="75000"/>
+                  </a:schemeClr>
+                </a:solidFill>
+              </a:rPr>
+              <a:t>Но данные сохранены в текстовые файлы, который можно случайно удалить</a:t>
+            </a:r>
+            <a:r>
+              <a:rPr lang="en-GB" dirty="0">
+                <a:solidFill>
+                  <a:schemeClr val="accent5">
+                    <a:lumMod val="75000"/>
+                  </a:schemeClr>
+                </a:solidFill>
+              </a:rPr>
+              <a:t>/</a:t>
+            </a:r>
+            <a:r>
+              <a:rPr lang="ru" dirty="0">
+                <a:solidFill>
+                  <a:schemeClr val="accent5">
+                    <a:lumMod val="75000"/>
+                  </a:schemeClr>
+                </a:solidFill>
+              </a:rPr>
+              <a:t>изменить.</a:t>
+            </a:r>
             <a:endParaRPr lang="ru-RU" dirty="0">
               <a:solidFill>
                 <a:schemeClr val="accent5">
@@ -14985,7 +15076,7 @@
                   </a:schemeClr>
                 </a:solidFill>
               </a:rPr>
-              <a:t>Реализация сохранения данных при выходе</a:t>
+              <a:t>Улучшение реализации сохранения данных при выходе</a:t>
             </a:r>
           </a:p>
           <a:p>
